--- a/powerpoint/7_Conda.pptx
+++ b/powerpoint/7_Conda.pptx
@@ -279,7 +279,7 @@
           <a:p>
             <a:fld id="{B1339DB0-78C2-4D45-927F-4D346157740C}" type="datetimeFigureOut">
               <a:rPr lang="en-GB" smtClean="0"/>
-              <a:t>28/10/2019</a:t>
+              <a:t>05/10/2020</a:t>
             </a:fld>
             <a:endParaRPr lang="en-GB"/>
           </a:p>
@@ -479,7 +479,7 @@
           <a:p>
             <a:fld id="{B1339DB0-78C2-4D45-927F-4D346157740C}" type="datetimeFigureOut">
               <a:rPr lang="en-GB" smtClean="0"/>
-              <a:t>28/10/2019</a:t>
+              <a:t>05/10/2020</a:t>
             </a:fld>
             <a:endParaRPr lang="en-GB"/>
           </a:p>
@@ -689,7 +689,7 @@
           <a:p>
             <a:fld id="{B1339DB0-78C2-4D45-927F-4D346157740C}" type="datetimeFigureOut">
               <a:rPr lang="en-GB" smtClean="0"/>
-              <a:t>28/10/2019</a:t>
+              <a:t>05/10/2020</a:t>
             </a:fld>
             <a:endParaRPr lang="en-GB"/>
           </a:p>
@@ -889,7 +889,7 @@
           <a:p>
             <a:fld id="{B1339DB0-78C2-4D45-927F-4D346157740C}" type="datetimeFigureOut">
               <a:rPr lang="en-GB" smtClean="0"/>
-              <a:t>28/10/2019</a:t>
+              <a:t>05/10/2020</a:t>
             </a:fld>
             <a:endParaRPr lang="en-GB"/>
           </a:p>
@@ -1165,7 +1165,7 @@
           <a:p>
             <a:fld id="{B1339DB0-78C2-4D45-927F-4D346157740C}" type="datetimeFigureOut">
               <a:rPr lang="en-GB" smtClean="0"/>
-              <a:t>28/10/2019</a:t>
+              <a:t>05/10/2020</a:t>
             </a:fld>
             <a:endParaRPr lang="en-GB"/>
           </a:p>
@@ -1433,7 +1433,7 @@
           <a:p>
             <a:fld id="{B1339DB0-78C2-4D45-927F-4D346157740C}" type="datetimeFigureOut">
               <a:rPr lang="en-GB" smtClean="0"/>
-              <a:t>28/10/2019</a:t>
+              <a:t>05/10/2020</a:t>
             </a:fld>
             <a:endParaRPr lang="en-GB"/>
           </a:p>
@@ -1848,7 +1848,7 @@
           <a:p>
             <a:fld id="{B1339DB0-78C2-4D45-927F-4D346157740C}" type="datetimeFigureOut">
               <a:rPr lang="en-GB" smtClean="0"/>
-              <a:t>28/10/2019</a:t>
+              <a:t>05/10/2020</a:t>
             </a:fld>
             <a:endParaRPr lang="en-GB"/>
           </a:p>
@@ -1990,7 +1990,7 @@
           <a:p>
             <a:fld id="{B1339DB0-78C2-4D45-927F-4D346157740C}" type="datetimeFigureOut">
               <a:rPr lang="en-GB" smtClean="0"/>
-              <a:t>28/10/2019</a:t>
+              <a:t>05/10/2020</a:t>
             </a:fld>
             <a:endParaRPr lang="en-GB"/>
           </a:p>
@@ -2103,7 +2103,7 @@
           <a:p>
             <a:fld id="{B1339DB0-78C2-4D45-927F-4D346157740C}" type="datetimeFigureOut">
               <a:rPr lang="en-GB" smtClean="0"/>
-              <a:t>28/10/2019</a:t>
+              <a:t>05/10/2020</a:t>
             </a:fld>
             <a:endParaRPr lang="en-GB"/>
           </a:p>
@@ -2416,7 +2416,7 @@
           <a:p>
             <a:fld id="{B1339DB0-78C2-4D45-927F-4D346157740C}" type="datetimeFigureOut">
               <a:rPr lang="en-GB" smtClean="0"/>
-              <a:t>28/10/2019</a:t>
+              <a:t>05/10/2020</a:t>
             </a:fld>
             <a:endParaRPr lang="en-GB"/>
           </a:p>
@@ -2705,7 +2705,7 @@
           <a:p>
             <a:fld id="{B1339DB0-78C2-4D45-927F-4D346157740C}" type="datetimeFigureOut">
               <a:rPr lang="en-GB" smtClean="0"/>
-              <a:t>28/10/2019</a:t>
+              <a:t>05/10/2020</a:t>
             </a:fld>
             <a:endParaRPr lang="en-GB"/>
           </a:p>
@@ -2948,7 +2948,7 @@
           <a:p>
             <a:fld id="{B1339DB0-78C2-4D45-927F-4D346157740C}" type="datetimeFigureOut">
               <a:rPr lang="en-GB" smtClean="0"/>
-              <a:t>28/10/2019</a:t>
+              <a:t>05/10/2020</a:t>
             </a:fld>
             <a:endParaRPr lang="en-GB"/>
           </a:p>
@@ -3906,8 +3906,14 @@
           <p:nvPr/>
         </p:nvPicPr>
         <p:blipFill rotWithShape="1">
-          <a:blip r:embed="rId2"/>
-          <a:srcRect l="52501" t="19102" r="27236" b="15092"/>
+          <a:blip r:embed="rId2">
+            <a:extLst>
+              <a:ext uri="{28A0092B-C50C-407E-A947-70E740481C1C}">
+                <a14:useLocalDpi xmlns:a14="http://schemas.microsoft.com/office/drawing/2010/main" val="0"/>
+              </a:ext>
+            </a:extLst>
+          </a:blip>
+          <a:srcRect/>
           <a:stretch/>
         </p:blipFill>
         <p:spPr>
@@ -6986,7 +6992,7 @@
               </a:ext>
             </a:extLst>
           </a:blip>
-          <a:srcRect r="7966"/>
+          <a:srcRect/>
           <a:stretch/>
         </p:blipFill>
         <p:spPr>

--- a/powerpoint/7_Conda.pptx
+++ b/powerpoint/7_Conda.pptx
@@ -279,7 +279,7 @@
           <a:p>
             <a:fld id="{B1339DB0-78C2-4D45-927F-4D346157740C}" type="datetimeFigureOut">
               <a:rPr lang="en-GB" smtClean="0"/>
-              <a:t>05/10/2020</a:t>
+              <a:t>21/09/2022</a:t>
             </a:fld>
             <a:endParaRPr lang="en-GB"/>
           </a:p>
@@ -479,7 +479,7 @@
           <a:p>
             <a:fld id="{B1339DB0-78C2-4D45-927F-4D346157740C}" type="datetimeFigureOut">
               <a:rPr lang="en-GB" smtClean="0"/>
-              <a:t>05/10/2020</a:t>
+              <a:t>21/09/2022</a:t>
             </a:fld>
             <a:endParaRPr lang="en-GB"/>
           </a:p>
@@ -689,7 +689,7 @@
           <a:p>
             <a:fld id="{B1339DB0-78C2-4D45-927F-4D346157740C}" type="datetimeFigureOut">
               <a:rPr lang="en-GB" smtClean="0"/>
-              <a:t>05/10/2020</a:t>
+              <a:t>21/09/2022</a:t>
             </a:fld>
             <a:endParaRPr lang="en-GB"/>
           </a:p>
@@ -889,7 +889,7 @@
           <a:p>
             <a:fld id="{B1339DB0-78C2-4D45-927F-4D346157740C}" type="datetimeFigureOut">
               <a:rPr lang="en-GB" smtClean="0"/>
-              <a:t>05/10/2020</a:t>
+              <a:t>21/09/2022</a:t>
             </a:fld>
             <a:endParaRPr lang="en-GB"/>
           </a:p>
@@ -1165,7 +1165,7 @@
           <a:p>
             <a:fld id="{B1339DB0-78C2-4D45-927F-4D346157740C}" type="datetimeFigureOut">
               <a:rPr lang="en-GB" smtClean="0"/>
-              <a:t>05/10/2020</a:t>
+              <a:t>21/09/2022</a:t>
             </a:fld>
             <a:endParaRPr lang="en-GB"/>
           </a:p>
@@ -1433,7 +1433,7 @@
           <a:p>
             <a:fld id="{B1339DB0-78C2-4D45-927F-4D346157740C}" type="datetimeFigureOut">
               <a:rPr lang="en-GB" smtClean="0"/>
-              <a:t>05/10/2020</a:t>
+              <a:t>21/09/2022</a:t>
             </a:fld>
             <a:endParaRPr lang="en-GB"/>
           </a:p>
@@ -1848,7 +1848,7 @@
           <a:p>
             <a:fld id="{B1339DB0-78C2-4D45-927F-4D346157740C}" type="datetimeFigureOut">
               <a:rPr lang="en-GB" smtClean="0"/>
-              <a:t>05/10/2020</a:t>
+              <a:t>21/09/2022</a:t>
             </a:fld>
             <a:endParaRPr lang="en-GB"/>
           </a:p>
@@ -1990,7 +1990,7 @@
           <a:p>
             <a:fld id="{B1339DB0-78C2-4D45-927F-4D346157740C}" type="datetimeFigureOut">
               <a:rPr lang="en-GB" smtClean="0"/>
-              <a:t>05/10/2020</a:t>
+              <a:t>21/09/2022</a:t>
             </a:fld>
             <a:endParaRPr lang="en-GB"/>
           </a:p>
@@ -2103,7 +2103,7 @@
           <a:p>
             <a:fld id="{B1339DB0-78C2-4D45-927F-4D346157740C}" type="datetimeFigureOut">
               <a:rPr lang="en-GB" smtClean="0"/>
-              <a:t>05/10/2020</a:t>
+              <a:t>21/09/2022</a:t>
             </a:fld>
             <a:endParaRPr lang="en-GB"/>
           </a:p>
@@ -2416,7 +2416,7 @@
           <a:p>
             <a:fld id="{B1339DB0-78C2-4D45-927F-4D346157740C}" type="datetimeFigureOut">
               <a:rPr lang="en-GB" smtClean="0"/>
-              <a:t>05/10/2020</a:t>
+              <a:t>21/09/2022</a:t>
             </a:fld>
             <a:endParaRPr lang="en-GB"/>
           </a:p>
@@ -2705,7 +2705,7 @@
           <a:p>
             <a:fld id="{B1339DB0-78C2-4D45-927F-4D346157740C}" type="datetimeFigureOut">
               <a:rPr lang="en-GB" smtClean="0"/>
-              <a:t>05/10/2020</a:t>
+              <a:t>21/09/2022</a:t>
             </a:fld>
             <a:endParaRPr lang="en-GB"/>
           </a:p>
@@ -2948,7 +2948,7 @@
           <a:p>
             <a:fld id="{B1339DB0-78C2-4D45-927F-4D346157740C}" type="datetimeFigureOut">
               <a:rPr lang="en-GB" smtClean="0"/>
-              <a:t>05/10/2020</a:t>
+              <a:t>21/09/2022</a:t>
             </a:fld>
             <a:endParaRPr lang="en-GB"/>
           </a:p>
@@ -5335,11 +5335,11 @@
             </a:pPr>
             <a:r>
               <a:rPr lang="en-GB" b="1" dirty="0" err="1"/>
-              <a:t>qsub</a:t>
+              <a:t>sbatch</a:t>
             </a:r>
             <a:r>
               <a:rPr lang="en-GB" b="1" dirty="0"/>
-              <a:t> use -V, activate the ENV first</a:t>
+              <a:t>, activate the ENV first</a:t>
             </a:r>
           </a:p>
           <a:p>
@@ -5369,26 +5369,21 @@
           </a:p>
           <a:p>
             <a:r>
+              <a:rPr lang="en-GB" dirty="0" err="1">
+                <a:solidFill>
+                  <a:srgbClr val="0070C0"/>
+                </a:solidFill>
+              </a:rPr>
+              <a:t>conda</a:t>
+            </a:r>
+            <a:r>
               <a:rPr lang="en-GB" dirty="0">
                 <a:solidFill>
                   <a:srgbClr val="0070C0"/>
                 </a:solidFill>
               </a:rPr>
-              <a:t>Conda activate </a:t>
-            </a:r>
-            <a:r>
-              <a:rPr lang="en-GB" dirty="0" err="1">
-                <a:solidFill>
-                  <a:srgbClr val="0070C0"/>
-                </a:solidFill>
-              </a:rPr>
-              <a:t>env</a:t>
-            </a:r>
-            <a:endParaRPr lang="en-GB" dirty="0">
-              <a:solidFill>
-                <a:srgbClr val="0070C0"/>
-              </a:solidFill>
-            </a:endParaRPr>
+              <a:t> activate env</a:t>
+            </a:r>
           </a:p>
           <a:p>
             <a:r>
@@ -5401,7 +5396,7 @@
                   <a:srgbClr val="0070C0"/>
                 </a:solidFill>
               </a:rPr>
-              <a:t>qsub</a:t>
+              <a:t>sbatch</a:t>
             </a:r>
             <a:r>
               <a:rPr lang="en-GB" dirty="0">
@@ -5409,23 +5404,7 @@
                   <a:srgbClr val="0070C0"/>
                 </a:solidFill>
               </a:rPr>
-              <a:t> -V -</a:t>
-            </a:r>
-            <a:r>
-              <a:rPr lang="en-GB" dirty="0" err="1">
-                <a:solidFill>
-                  <a:srgbClr val="0070C0"/>
-                </a:solidFill>
-              </a:rPr>
-              <a:t>pe</a:t>
-            </a:r>
-            <a:r>
-              <a:rPr lang="en-GB" dirty="0">
-                <a:solidFill>
-                  <a:srgbClr val="0070C0"/>
-                </a:solidFill>
-              </a:rPr>
-              <a:t> multi 4 name.sh</a:t>
+              <a:t> name.sh</a:t>
             </a:r>
           </a:p>
           <a:p>
@@ -7896,12 +7875,12 @@
         <p:spPr>
           <a:xfrm>
             <a:off x="254000" y="1253331"/>
-            <a:ext cx="11506200" cy="4351338"/>
+            <a:ext cx="11506200" cy="4685830"/>
           </a:xfrm>
         </p:spPr>
         <p:txBody>
           <a:bodyPr>
-            <a:normAutofit/>
+            <a:normAutofit fontScale="85000" lnSpcReduction="20000"/>
           </a:bodyPr>
           <a:lstStyle/>
           <a:p>
@@ -8009,6 +7988,162 @@
             <a:pPr marL="0" indent="0">
               <a:buNone/>
             </a:pPr>
+            <a:endParaRPr lang="en-GB" dirty="0">
+              <a:solidFill>
+                <a:srgbClr val="0070C0"/>
+              </a:solidFill>
+            </a:endParaRPr>
+          </a:p>
+          <a:p>
+            <a:pPr marL="0" indent="0">
+              <a:buNone/>
+            </a:pPr>
+            <a:r>
+              <a:rPr lang="en-GB" dirty="0">
+                <a:solidFill>
+                  <a:schemeClr val="tx2"/>
+                </a:solidFill>
+              </a:rPr>
+              <a:t>To install the things you need for this workshop:</a:t>
+            </a:r>
+          </a:p>
+          <a:p>
+            <a:pPr marL="0" indent="0">
+              <a:buNone/>
+            </a:pPr>
+            <a:r>
+              <a:rPr lang="en-GB" dirty="0" err="1">
+                <a:solidFill>
+                  <a:srgbClr val="0070C0"/>
+                </a:solidFill>
+              </a:rPr>
+              <a:t>conda</a:t>
+            </a:r>
+            <a:r>
+              <a:rPr lang="en-GB" dirty="0">
+                <a:solidFill>
+                  <a:srgbClr val="0070C0"/>
+                </a:solidFill>
+              </a:rPr>
+              <a:t> install -c </a:t>
+            </a:r>
+            <a:r>
+              <a:rPr lang="en-GB" dirty="0" err="1">
+                <a:solidFill>
+                  <a:srgbClr val="0070C0"/>
+                </a:solidFill>
+              </a:rPr>
+              <a:t>conda</a:t>
+            </a:r>
+            <a:r>
+              <a:rPr lang="en-GB" dirty="0">
+                <a:solidFill>
+                  <a:srgbClr val="0070C0"/>
+                </a:solidFill>
+              </a:rPr>
+              <a:t>-forge mamba </a:t>
+            </a:r>
+          </a:p>
+          <a:p>
+            <a:pPr marL="0" indent="0">
+              <a:buNone/>
+            </a:pPr>
+            <a:r>
+              <a:rPr lang="en-GB" dirty="0">
+                <a:solidFill>
+                  <a:srgbClr val="0070C0"/>
+                </a:solidFill>
+              </a:rPr>
+              <a:t>mamba create -n </a:t>
+            </a:r>
+            <a:r>
+              <a:rPr lang="en-GB" dirty="0" err="1">
+                <a:solidFill>
+                  <a:srgbClr val="0070C0"/>
+                </a:solidFill>
+              </a:rPr>
+              <a:t>genome_workshop</a:t>
+            </a:r>
+            <a:r>
+              <a:rPr lang="en-GB" dirty="0">
+                <a:solidFill>
+                  <a:srgbClr val="0070C0"/>
+                </a:solidFill>
+              </a:rPr>
+              <a:t> -c </a:t>
+            </a:r>
+            <a:r>
+              <a:rPr lang="en-GB" dirty="0" err="1">
+                <a:solidFill>
+                  <a:srgbClr val="0070C0"/>
+                </a:solidFill>
+              </a:rPr>
+              <a:t>bioconda</a:t>
+            </a:r>
+            <a:r>
+              <a:rPr lang="en-GB" dirty="0">
+                <a:solidFill>
+                  <a:srgbClr val="0070C0"/>
+                </a:solidFill>
+              </a:rPr>
+              <a:t> </a:t>
+            </a:r>
+            <a:r>
+              <a:rPr lang="en-GB" dirty="0" err="1">
+                <a:solidFill>
+                  <a:srgbClr val="0070C0"/>
+                </a:solidFill>
+              </a:rPr>
+              <a:t>fastqc</a:t>
+            </a:r>
+            <a:r>
+              <a:rPr lang="en-GB" dirty="0">
+                <a:solidFill>
+                  <a:srgbClr val="0070C0"/>
+                </a:solidFill>
+              </a:rPr>
+              <a:t> </a:t>
+            </a:r>
+            <a:r>
+              <a:rPr lang="en-GB" dirty="0" err="1">
+                <a:solidFill>
+                  <a:srgbClr val="0070C0"/>
+                </a:solidFill>
+              </a:rPr>
+              <a:t>trimmomatic</a:t>
+            </a:r>
+            <a:r>
+              <a:rPr lang="en-GB" dirty="0">
+                <a:solidFill>
+                  <a:srgbClr val="0070C0"/>
+                </a:solidFill>
+              </a:rPr>
+              <a:t> velvet spades </a:t>
+            </a:r>
+            <a:r>
+              <a:rPr lang="en-GB" dirty="0" err="1">
+                <a:solidFill>
+                  <a:srgbClr val="0070C0"/>
+                </a:solidFill>
+              </a:rPr>
+              <a:t>unicycler</a:t>
+            </a:r>
+            <a:r>
+              <a:rPr lang="en-GB" dirty="0">
+                <a:solidFill>
+                  <a:srgbClr val="0070C0"/>
+                </a:solidFill>
+              </a:rPr>
+              <a:t> </a:t>
+            </a:r>
+            <a:r>
+              <a:rPr lang="en-GB" dirty="0" err="1">
+                <a:solidFill>
+                  <a:srgbClr val="0070C0"/>
+                </a:solidFill>
+              </a:rPr>
+              <a:t>prokka</a:t>
+            </a:r>
             <a:endParaRPr lang="en-GB" dirty="0">
               <a:solidFill>
                 <a:srgbClr val="0070C0"/>
